--- a/templates/marjan.pptx
+++ b/templates/marjan.pptx
@@ -278,7 +278,7 @@
           <a:p>
             <a:fld id="{00A2C23D-C45B-4A2C-BF87-5B14E866604E}" type="datetimeFigureOut">
               <a:rPr lang="en-US" smtClean="0"/>
-              <a:t>11/8/25</a:t>
+              <a:t>11/9/25</a:t>
             </a:fld>
             <a:endParaRPr lang="en-US"/>
           </a:p>
@@ -455,7 +455,7 @@
           <a:p>
             <a:fld id="{2E940DAB-E1CF-47C5-9FDC-D77F8612658A}" type="datetimeFigureOut">
               <a:rPr lang="en-US" smtClean="0"/>
-              <a:t>11/8/25</a:t>
+              <a:t>11/9/25</a:t>
             </a:fld>
             <a:endParaRPr lang="en-US"/>
           </a:p>
@@ -4055,7 +4055,7 @@
             </a:r>
             <a:r>
               <a:rPr lang="en-US" sz="4400" dirty="0" err="1"/>
-              <a:t>qr</a:t>
+              <a:t>qrUrl</a:t>
             </a:r>
             <a:r>
               <a:rPr lang="en-US" sz="4400" dirty="0"/>
@@ -4869,6 +4869,15 @@
 </file>
 
 <file path=customXml/item1.xml><?xml version="1.0" encoding="utf-8"?>
+<?mso-contentType ?>
+<FormTemplates xmlns="http://schemas.microsoft.com/sharepoint/v3/contenttype/forms">
+  <Display>DocumentLibraryForm</Display>
+  <Edit>DocumentLibraryForm</Edit>
+  <New>DocumentLibraryForm</New>
+</FormTemplates>
+</file>
+
+<file path=customXml/item2.xml><?xml version="1.0" encoding="utf-8"?>
 <p:properties xmlns:p="http://schemas.microsoft.com/office/2006/metadata/properties" xmlns:xsi="http://www.w3.org/2001/XMLSchema-instance" xmlns:pc="http://schemas.microsoft.com/office/infopath/2007/PartnerControls">
   <documentManagement>
     <_ip_UnifiedCompliancePolicyUIAction xmlns="http://schemas.microsoft.com/sharepoint/v3" xsi:nil="true"/>
@@ -4886,15 +4895,6 @@
     <MediaServiceKeyPoints xmlns="71af3243-3dd4-4a8d-8c0d-dd76da1f02a5" xsi:nil="true"/>
   </documentManagement>
 </p:properties>
-</file>
-
-<file path=customXml/item2.xml><?xml version="1.0" encoding="utf-8"?>
-<?mso-contentType ?>
-<FormTemplates xmlns="http://schemas.microsoft.com/sharepoint/v3/contenttype/forms">
-  <Display>DocumentLibraryForm</Display>
-  <Edit>DocumentLibraryForm</Edit>
-  <New>DocumentLibraryForm</New>
-</FormTemplates>
 </file>
 
 <file path=customXml/item3.xml><?xml version="1.0" encoding="utf-8"?>
@@ -5210,6 +5210,14 @@
 </file>
 
 <file path=customXml/itemProps1.xml><?xml version="1.0" encoding="utf-8"?>
+<ds:datastoreItem xmlns:ds="http://schemas.openxmlformats.org/officeDocument/2006/customXml" ds:itemID="{882CFDA0-6BDD-4706-B26B-1B5B1EB57370}">
+  <ds:schemaRefs>
+    <ds:schemaRef ds:uri="http://schemas.microsoft.com/sharepoint/v3/contenttype/forms"/>
+  </ds:schemaRefs>
+</ds:datastoreItem>
+</file>
+
+<file path=customXml/itemProps2.xml><?xml version="1.0" encoding="utf-8"?>
 <ds:datastoreItem xmlns:ds="http://schemas.openxmlformats.org/officeDocument/2006/customXml" ds:itemID="{C360BB66-9ADE-49BD-AE9B-CB5493E4DFBB}">
   <ds:schemaRefs>
     <ds:schemaRef ds:uri="230e9df3-be65-4c73-a93b-d1236ebd677e"/>
@@ -5224,14 +5232,6 @@
     <ds:schemaRef ds:uri="http://schemas.microsoft.com/sharepoint/v3"/>
     <ds:schemaRef ds:uri="http://schemas.microsoft.com/office/2006/metadata/properties"/>
     <ds:schemaRef ds:uri="http://purl.org/dc/terms/"/>
-  </ds:schemaRefs>
-</ds:datastoreItem>
-</file>
-
-<file path=customXml/itemProps2.xml><?xml version="1.0" encoding="utf-8"?>
-<ds:datastoreItem xmlns:ds="http://schemas.openxmlformats.org/officeDocument/2006/customXml" ds:itemID="{882CFDA0-6BDD-4706-B26B-1B5B1EB57370}">
-  <ds:schemaRefs>
-    <ds:schemaRef ds:uri="http://schemas.microsoft.com/sharepoint/v3/contenttype/forms"/>
   </ds:schemaRefs>
 </ds:datastoreItem>
 </file>

--- a/templates/marjan.pptx
+++ b/templates/marjan.pptx
@@ -3326,7 +3326,7 @@
           <p:nvPr>
             <p:extLst>
               <p:ext uri="{D42A27DB-BD31-4B8C-83A1-F6EECF244321}">
-                <p14:modId xmlns:p14="http://schemas.microsoft.com/office/powerpoint/2010/main" val="1169437575"/>
+                <p14:modId xmlns:p14="http://schemas.microsoft.com/office/powerpoint/2010/main" val="1684082385"/>
               </p:ext>
             </p:extLst>
           </p:nvPr>
@@ -3489,23 +3489,7 @@
                     <a:bodyPr/>
                     <a:lstStyle/>
                     <a:p>
-                      <a:pPr marL="0" marR="0" lvl="0" indent="0" algn="ctr" defTabSz="1272355" rtl="0" eaLnBrk="1" fontAlgn="auto" latinLnBrk="0" hangingPunct="1">
-                        <a:lnSpc>
-                          <a:spcPct val="100000"/>
-                        </a:lnSpc>
-                        <a:spcBef>
-                          <a:spcPts val="0"/>
-                        </a:spcBef>
-                        <a:spcAft>
-                          <a:spcPts val="0"/>
-                        </a:spcAft>
-                        <a:buClrTx/>
-                        <a:buSzTx/>
-                        <a:buFontTx/>
-                        <a:buNone/>
-                        <a:tabLst/>
-                        <a:defRPr/>
-                      </a:pPr>
+                      <a:pPr algn="ctr"/>
                       <a:r>
                         <a:rPr lang="en-US" sz="2505" kern="1200" dirty="0">
                           <a:solidFill>
@@ -3515,29 +3499,7 @@
                           <a:ea typeface="+mn-ea"/>
                           <a:cs typeface="+mn-cs"/>
                         </a:rPr>
-                        <a:t>{{</a:t>
-                      </a:r>
-                      <a:r>
-                        <a:rPr lang="en-US" sz="2505" kern="1200" dirty="0" err="1">
-                          <a:solidFill>
-                            <a:schemeClr val="bg1"/>
-                          </a:solidFill>
-                          <a:latin typeface="+mn-lt"/>
-                          <a:ea typeface="+mn-ea"/>
-                          <a:cs typeface="+mn-cs"/>
-                        </a:rPr>
-                        <a:t>guestName</a:t>
-                      </a:r>
-                      <a:r>
-                        <a:rPr lang="en-US" sz="2505" kern="1200" dirty="0">
-                          <a:solidFill>
-                            <a:schemeClr val="bg1"/>
-                          </a:solidFill>
-                          <a:latin typeface="+mn-lt"/>
-                          <a:ea typeface="+mn-ea"/>
-                          <a:cs typeface="+mn-cs"/>
-                        </a:rPr>
-                        <a:t>}}</a:t>
+                        <a:t>{{#guests}}{{name}}</a:t>
                       </a:r>
                     </a:p>
                   </a:txBody>
@@ -3555,23 +3517,7 @@
                     <a:bodyPr/>
                     <a:lstStyle/>
                     <a:p>
-                      <a:pPr marL="0" marR="0" lvl="0" indent="0" algn="ctr" defTabSz="1272355" rtl="0" eaLnBrk="1" fontAlgn="auto" latinLnBrk="0" hangingPunct="1">
-                        <a:lnSpc>
-                          <a:spcPct val="100000"/>
-                        </a:lnSpc>
-                        <a:spcBef>
-                          <a:spcPts val="0"/>
-                        </a:spcBef>
-                        <a:spcAft>
-                          <a:spcPts val="0"/>
-                        </a:spcAft>
-                        <a:buClrTx/>
-                        <a:buSzTx/>
-                        <a:buFontTx/>
-                        <a:buNone/>
-                        <a:tabLst/>
-                        <a:defRPr/>
-                      </a:pPr>
+                      <a:pPr algn="ctr"/>
                       <a:r>
                         <a:rPr lang="en-US" sz="2505" kern="1200" dirty="0">
                           <a:solidFill>
@@ -3581,29 +3527,7 @@
                           <a:ea typeface="+mn-ea"/>
                           <a:cs typeface="+mn-cs"/>
                         </a:rPr>
-                        <a:t>{{</a:t>
-                      </a:r>
-                      <a:r>
-                        <a:rPr lang="en-US" sz="2505" kern="1200" dirty="0" err="1">
-                          <a:solidFill>
-                            <a:schemeClr val="bg1"/>
-                          </a:solidFill>
-                          <a:latin typeface="+mn-lt"/>
-                          <a:ea typeface="+mn-ea"/>
-                          <a:cs typeface="+mn-cs"/>
-                        </a:rPr>
-                        <a:t>seatLabel</a:t>
-                      </a:r>
-                      <a:r>
-                        <a:rPr lang="en-US" sz="2505" kern="1200" dirty="0">
-                          <a:solidFill>
-                            <a:schemeClr val="bg1"/>
-                          </a:solidFill>
-                          <a:latin typeface="+mn-lt"/>
-                          <a:ea typeface="+mn-ea"/>
-                          <a:cs typeface="+mn-cs"/>
-                        </a:rPr>
-                        <a:t>}}</a:t>
+                        <a:t>{{seat}}{{/guests}}</a:t>
                       </a:r>
                     </a:p>
                   </a:txBody>
@@ -3673,39 +3597,14 @@
                         <a:tabLst/>
                         <a:defRPr/>
                       </a:pPr>
-                      <a:r>
-                        <a:rPr lang="en-US" sz="2505" kern="1200" dirty="0">
-                          <a:solidFill>
-                            <a:schemeClr val="bg1"/>
-                          </a:solidFill>
-                          <a:latin typeface="+mn-lt"/>
-                          <a:ea typeface="+mn-ea"/>
-                          <a:cs typeface="+mn-cs"/>
-                        </a:rPr>
-                        <a:t>{{</a:t>
-                      </a:r>
-                      <a:r>
-                        <a:rPr lang="en-US" sz="2505" kern="1200" dirty="0" err="1">
-                          <a:solidFill>
-                            <a:schemeClr val="bg1"/>
-                          </a:solidFill>
-                          <a:latin typeface="+mn-lt"/>
-                          <a:ea typeface="+mn-ea"/>
-                          <a:cs typeface="+mn-cs"/>
-                        </a:rPr>
-                        <a:t>guestName</a:t>
-                      </a:r>
-                      <a:r>
-                        <a:rPr lang="en-US" sz="2505" kern="1200" dirty="0">
-                          <a:solidFill>
-                            <a:schemeClr val="bg1"/>
-                          </a:solidFill>
-                          <a:latin typeface="+mn-lt"/>
-                          <a:ea typeface="+mn-ea"/>
-                          <a:cs typeface="+mn-cs"/>
-                        </a:rPr>
-                        <a:t>}}</a:t>
-                      </a:r>
+                      <a:endParaRPr lang="en-US" sz="2505" kern="1200" dirty="0">
+                        <a:solidFill>
+                          <a:schemeClr val="bg1"/>
+                        </a:solidFill>
+                        <a:latin typeface="+mn-lt"/>
+                        <a:ea typeface="+mn-ea"/>
+                        <a:cs typeface="+mn-cs"/>
+                      </a:endParaRPr>
                     </a:p>
                   </a:txBody>
                   <a:tcPr anchor="ctr">
@@ -3739,39 +3638,14 @@
                         <a:tabLst/>
                         <a:defRPr/>
                       </a:pPr>
-                      <a:r>
-                        <a:rPr lang="en-US" sz="2505" kern="1200" dirty="0">
-                          <a:solidFill>
-                            <a:schemeClr val="bg1"/>
-                          </a:solidFill>
-                          <a:latin typeface="+mn-lt"/>
-                          <a:ea typeface="+mn-ea"/>
-                          <a:cs typeface="+mn-cs"/>
-                        </a:rPr>
-                        <a:t>{{</a:t>
-                      </a:r>
-                      <a:r>
-                        <a:rPr lang="en-US" sz="2505" kern="1200" dirty="0" err="1">
-                          <a:solidFill>
-                            <a:schemeClr val="bg1"/>
-                          </a:solidFill>
-                          <a:latin typeface="+mn-lt"/>
-                          <a:ea typeface="+mn-ea"/>
-                          <a:cs typeface="+mn-cs"/>
-                        </a:rPr>
-                        <a:t>seatLabel</a:t>
-                      </a:r>
-                      <a:r>
-                        <a:rPr lang="en-US" sz="2505" kern="1200" dirty="0">
-                          <a:solidFill>
-                            <a:schemeClr val="bg1"/>
-                          </a:solidFill>
-                          <a:latin typeface="+mn-lt"/>
-                          <a:ea typeface="+mn-ea"/>
-                          <a:cs typeface="+mn-cs"/>
-                        </a:rPr>
-                        <a:t>}}</a:t>
-                      </a:r>
+                      <a:endParaRPr lang="en-US" sz="2505" kern="1200" dirty="0">
+                        <a:solidFill>
+                          <a:schemeClr val="bg1"/>
+                        </a:solidFill>
+                        <a:latin typeface="+mn-lt"/>
+                        <a:ea typeface="+mn-ea"/>
+                        <a:cs typeface="+mn-cs"/>
+                      </a:endParaRPr>
                     </a:p>
                   </a:txBody>
                   <a:tcPr anchor="ctr">
@@ -4869,15 +4743,6 @@
 </file>
 
 <file path=customXml/item1.xml><?xml version="1.0" encoding="utf-8"?>
-<?mso-contentType ?>
-<FormTemplates xmlns="http://schemas.microsoft.com/sharepoint/v3/contenttype/forms">
-  <Display>DocumentLibraryForm</Display>
-  <Edit>DocumentLibraryForm</Edit>
-  <New>DocumentLibraryForm</New>
-</FormTemplates>
-</file>
-
-<file path=customXml/item2.xml><?xml version="1.0" encoding="utf-8"?>
 <p:properties xmlns:p="http://schemas.microsoft.com/office/2006/metadata/properties" xmlns:xsi="http://www.w3.org/2001/XMLSchema-instance" xmlns:pc="http://schemas.microsoft.com/office/infopath/2007/PartnerControls">
   <documentManagement>
     <_ip_UnifiedCompliancePolicyUIAction xmlns="http://schemas.microsoft.com/sharepoint/v3" xsi:nil="true"/>
@@ -4895,6 +4760,15 @@
     <MediaServiceKeyPoints xmlns="71af3243-3dd4-4a8d-8c0d-dd76da1f02a5" xsi:nil="true"/>
   </documentManagement>
 </p:properties>
+</file>
+
+<file path=customXml/item2.xml><?xml version="1.0" encoding="utf-8"?>
+<?mso-contentType ?>
+<FormTemplates xmlns="http://schemas.microsoft.com/sharepoint/v3/contenttype/forms">
+  <Display>DocumentLibraryForm</Display>
+  <Edit>DocumentLibraryForm</Edit>
+  <New>DocumentLibraryForm</New>
+</FormTemplates>
 </file>
 
 <file path=customXml/item3.xml><?xml version="1.0" encoding="utf-8"?>
@@ -5210,14 +5084,6 @@
 </file>
 
 <file path=customXml/itemProps1.xml><?xml version="1.0" encoding="utf-8"?>
-<ds:datastoreItem xmlns:ds="http://schemas.openxmlformats.org/officeDocument/2006/customXml" ds:itemID="{882CFDA0-6BDD-4706-B26B-1B5B1EB57370}">
-  <ds:schemaRefs>
-    <ds:schemaRef ds:uri="http://schemas.microsoft.com/sharepoint/v3/contenttype/forms"/>
-  </ds:schemaRefs>
-</ds:datastoreItem>
-</file>
-
-<file path=customXml/itemProps2.xml><?xml version="1.0" encoding="utf-8"?>
 <ds:datastoreItem xmlns:ds="http://schemas.openxmlformats.org/officeDocument/2006/customXml" ds:itemID="{C360BB66-9ADE-49BD-AE9B-CB5493E4DFBB}">
   <ds:schemaRefs>
     <ds:schemaRef ds:uri="230e9df3-be65-4c73-a93b-d1236ebd677e"/>
@@ -5232,6 +5098,14 @@
     <ds:schemaRef ds:uri="http://schemas.microsoft.com/sharepoint/v3"/>
     <ds:schemaRef ds:uri="http://schemas.microsoft.com/office/2006/metadata/properties"/>
     <ds:schemaRef ds:uri="http://purl.org/dc/terms/"/>
+  </ds:schemaRefs>
+</ds:datastoreItem>
+</file>
+
+<file path=customXml/itemProps2.xml><?xml version="1.0" encoding="utf-8"?>
+<ds:datastoreItem xmlns:ds="http://schemas.openxmlformats.org/officeDocument/2006/customXml" ds:itemID="{882CFDA0-6BDD-4706-B26B-1B5B1EB57370}">
+  <ds:schemaRefs>
+    <ds:schemaRef ds:uri="http://schemas.microsoft.com/sharepoint/v3/contenttype/forms"/>
   </ds:schemaRefs>
 </ds:datastoreItem>
 </file>

--- a/templates/marjan.pptx
+++ b/templates/marjan.pptx
@@ -3910,7 +3910,7 @@
         <p:spPr>
           <a:xfrm>
             <a:off x="8170931" y="12024720"/>
-            <a:ext cx="1272115" cy="1446550"/>
+            <a:ext cx="1272115" cy="400110"/>
           </a:xfrm>
           <a:prstGeom prst="rect">
             <a:avLst/>
@@ -3924,15 +3924,15 @@
           <a:lstStyle/>
           <a:p>
             <a:r>
-              <a:rPr lang="en-US" sz="4400" dirty="0"/>
+              <a:rPr lang="en-US" sz="2000" dirty="0"/>
               <a:t>{{</a:t>
             </a:r>
             <a:r>
-              <a:rPr lang="en-US" sz="4400" dirty="0" err="1"/>
+              <a:rPr lang="en-US" sz="2000" dirty="0" err="1"/>
               <a:t>qrUrl</a:t>
             </a:r>
             <a:r>
-              <a:rPr lang="en-US" sz="4400" dirty="0"/>
+              <a:rPr lang="en-US" sz="2000" dirty="0"/>
               <a:t>}}</a:t>
             </a:r>
           </a:p>
@@ -4743,35 +4743,6 @@
 </file>
 
 <file path=customXml/item1.xml><?xml version="1.0" encoding="utf-8"?>
-<p:properties xmlns:p="http://schemas.microsoft.com/office/2006/metadata/properties" xmlns:xsi="http://www.w3.org/2001/XMLSchema-instance" xmlns:pc="http://schemas.microsoft.com/office/infopath/2007/PartnerControls">
-  <documentManagement>
-    <_ip_UnifiedCompliancePolicyUIAction xmlns="http://schemas.microsoft.com/sharepoint/v3" xsi:nil="true"/>
-    <Image xmlns="71af3243-3dd4-4a8d-8c0d-dd76da1f02a5">
-      <Url xsi:nil="true"/>
-      <Description xsi:nil="true"/>
-    </Image>
-    <Status xmlns="71af3243-3dd4-4a8d-8c0d-dd76da1f02a5">Not started</Status>
-    <Background xmlns="71af3243-3dd4-4a8d-8c0d-dd76da1f02a5">false</Background>
-    <_ip_UnifiedCompliancePolicyProperties xmlns="http://schemas.microsoft.com/sharepoint/v3" xsi:nil="true"/>
-    <ImageTagsTaxHTField xmlns="71af3243-3dd4-4a8d-8c0d-dd76da1f02a5">
-      <Terms xmlns="http://schemas.microsoft.com/office/infopath/2007/PartnerControls"/>
-    </ImageTagsTaxHTField>
-    <TaxCatchAll xmlns="230e9df3-be65-4c73-a93b-d1236ebd677e" xsi:nil="true"/>
-    <MediaServiceKeyPoints xmlns="71af3243-3dd4-4a8d-8c0d-dd76da1f02a5" xsi:nil="true"/>
-  </documentManagement>
-</p:properties>
-</file>
-
-<file path=customXml/item2.xml><?xml version="1.0" encoding="utf-8"?>
-<?mso-contentType ?>
-<FormTemplates xmlns="http://schemas.microsoft.com/sharepoint/v3/contenttype/forms">
-  <Display>DocumentLibraryForm</Display>
-  <Edit>DocumentLibraryForm</Edit>
-  <New>DocumentLibraryForm</New>
-</FormTemplates>
-</file>
-
-<file path=customXml/item3.xml><?xml version="1.0" encoding="utf-8"?>
 <ct:contentTypeSchema xmlns:ct="http://schemas.microsoft.com/office/2006/metadata/contentType" xmlns:ma="http://schemas.microsoft.com/office/2006/metadata/properties/metaAttributes" ct:_="" ma:_="" ma:contentTypeName="Document" ma:contentTypeID="0x01010079F111ED35F8CC479449609E8A0923A6" ma:contentTypeVersion="28" ma:contentTypeDescription="Create a new document." ma:contentTypeScope="" ma:versionID="60f5a4f2d2b0abadcf532d48ebf9cb71">
   <xsd:schema xmlns:xsd="http://www.w3.org/2001/XMLSchema" xmlns:xs="http://www.w3.org/2001/XMLSchema" xmlns:p="http://schemas.microsoft.com/office/2006/metadata/properties" xmlns:ns1="http://schemas.microsoft.com/sharepoint/v3" xmlns:ns2="71af3243-3dd4-4a8d-8c0d-dd76da1f02a5" xmlns:ns3="16c05727-aa75-4e4a-9b5f-8a80a1165891" xmlns:ns4="230e9df3-be65-4c73-a93b-d1236ebd677e" targetNamespace="http://schemas.microsoft.com/office/2006/metadata/properties" ma:root="true" ma:fieldsID="7dd78129e6a1811f84807ad11c651531" ns1:_="" ns2:_="" ns3:_="" ns4:_="">
     <xsd:import namespace="http://schemas.microsoft.com/sharepoint/v3"/>
@@ -5083,34 +5054,36 @@
 </ct:contentTypeSchema>
 </file>
 
-<file path=customXml/itemProps1.xml><?xml version="1.0" encoding="utf-8"?>
-<ds:datastoreItem xmlns:ds="http://schemas.openxmlformats.org/officeDocument/2006/customXml" ds:itemID="{C360BB66-9ADE-49BD-AE9B-CB5493E4DFBB}">
-  <ds:schemaRefs>
-    <ds:schemaRef ds:uri="230e9df3-be65-4c73-a93b-d1236ebd677e"/>
-    <ds:schemaRef ds:uri="http://schemas.microsoft.com/office/2006/documentManagement/types"/>
-    <ds:schemaRef ds:uri="http://purl.org/dc/dcmitype/"/>
-    <ds:schemaRef ds:uri="http://schemas.microsoft.com/office/infopath/2007/PartnerControls"/>
-    <ds:schemaRef ds:uri="71af3243-3dd4-4a8d-8c0d-dd76da1f02a5"/>
-    <ds:schemaRef ds:uri="http://www.w3.org/XML/1998/namespace"/>
-    <ds:schemaRef ds:uri="http://purl.org/dc/elements/1.1/"/>
-    <ds:schemaRef ds:uri="http://schemas.openxmlformats.org/package/2006/metadata/core-properties"/>
-    <ds:schemaRef ds:uri="16c05727-aa75-4e4a-9b5f-8a80a1165891"/>
-    <ds:schemaRef ds:uri="http://schemas.microsoft.com/sharepoint/v3"/>
-    <ds:schemaRef ds:uri="http://schemas.microsoft.com/office/2006/metadata/properties"/>
-    <ds:schemaRef ds:uri="http://purl.org/dc/terms/"/>
-  </ds:schemaRefs>
-</ds:datastoreItem>
+<file path=customXml/item2.xml><?xml version="1.0" encoding="utf-8"?>
+<?mso-contentType ?>
+<FormTemplates xmlns="http://schemas.microsoft.com/sharepoint/v3/contenttype/forms">
+  <Display>DocumentLibraryForm</Display>
+  <Edit>DocumentLibraryForm</Edit>
+  <New>DocumentLibraryForm</New>
+</FormTemplates>
 </file>
 
-<file path=customXml/itemProps2.xml><?xml version="1.0" encoding="utf-8"?>
-<ds:datastoreItem xmlns:ds="http://schemas.openxmlformats.org/officeDocument/2006/customXml" ds:itemID="{882CFDA0-6BDD-4706-B26B-1B5B1EB57370}">
-  <ds:schemaRefs>
-    <ds:schemaRef ds:uri="http://schemas.microsoft.com/sharepoint/v3/contenttype/forms"/>
-  </ds:schemaRefs>
-</ds:datastoreItem>
+<file path=customXml/item3.xml><?xml version="1.0" encoding="utf-8"?>
+<p:properties xmlns:p="http://schemas.microsoft.com/office/2006/metadata/properties" xmlns:xsi="http://www.w3.org/2001/XMLSchema-instance" xmlns:pc="http://schemas.microsoft.com/office/infopath/2007/PartnerControls">
+  <documentManagement>
+    <_ip_UnifiedCompliancePolicyUIAction xmlns="http://schemas.microsoft.com/sharepoint/v3" xsi:nil="true"/>
+    <Image xmlns="71af3243-3dd4-4a8d-8c0d-dd76da1f02a5">
+      <Url xsi:nil="true"/>
+      <Description xsi:nil="true"/>
+    </Image>
+    <Status xmlns="71af3243-3dd4-4a8d-8c0d-dd76da1f02a5">Not started</Status>
+    <Background xmlns="71af3243-3dd4-4a8d-8c0d-dd76da1f02a5">false</Background>
+    <_ip_UnifiedCompliancePolicyProperties xmlns="http://schemas.microsoft.com/sharepoint/v3" xsi:nil="true"/>
+    <ImageTagsTaxHTField xmlns="71af3243-3dd4-4a8d-8c0d-dd76da1f02a5">
+      <Terms xmlns="http://schemas.microsoft.com/office/infopath/2007/PartnerControls"/>
+    </ImageTagsTaxHTField>
+    <TaxCatchAll xmlns="230e9df3-be65-4c73-a93b-d1236ebd677e" xsi:nil="true"/>
+    <MediaServiceKeyPoints xmlns="71af3243-3dd4-4a8d-8c0d-dd76da1f02a5" xsi:nil="true"/>
+  </documentManagement>
+</p:properties>
 </file>
 
-<file path=customXml/itemProps3.xml><?xml version="1.0" encoding="utf-8"?>
+<file path=customXml/itemProps1.xml><?xml version="1.0" encoding="utf-8"?>
 <ds:datastoreItem xmlns:ds="http://schemas.openxmlformats.org/officeDocument/2006/customXml" ds:itemID="{8663DAAC-560C-4FCC-9805-DA264296FF96}">
   <ds:schemaRefs>
     <ds:schemaRef ds:uri="http://schemas.microsoft.com/office/2006/metadata/contentType"/>
@@ -5131,6 +5104,33 @@
 </ds:datastoreItem>
 </file>
 
+<file path=customXml/itemProps2.xml><?xml version="1.0" encoding="utf-8"?>
+<ds:datastoreItem xmlns:ds="http://schemas.openxmlformats.org/officeDocument/2006/customXml" ds:itemID="{882CFDA0-6BDD-4706-B26B-1B5B1EB57370}">
+  <ds:schemaRefs>
+    <ds:schemaRef ds:uri="http://schemas.microsoft.com/sharepoint/v3/contenttype/forms"/>
+  </ds:schemaRefs>
+</ds:datastoreItem>
+</file>
+
+<file path=customXml/itemProps3.xml><?xml version="1.0" encoding="utf-8"?>
+<ds:datastoreItem xmlns:ds="http://schemas.openxmlformats.org/officeDocument/2006/customXml" ds:itemID="{C360BB66-9ADE-49BD-AE9B-CB5493E4DFBB}">
+  <ds:schemaRefs>
+    <ds:schemaRef ds:uri="230e9df3-be65-4c73-a93b-d1236ebd677e"/>
+    <ds:schemaRef ds:uri="http://schemas.microsoft.com/office/2006/documentManagement/types"/>
+    <ds:schemaRef ds:uri="http://purl.org/dc/dcmitype/"/>
+    <ds:schemaRef ds:uri="http://schemas.microsoft.com/office/infopath/2007/PartnerControls"/>
+    <ds:schemaRef ds:uri="71af3243-3dd4-4a8d-8c0d-dd76da1f02a5"/>
+    <ds:schemaRef ds:uri="http://www.w3.org/XML/1998/namespace"/>
+    <ds:schemaRef ds:uri="http://purl.org/dc/elements/1.1/"/>
+    <ds:schemaRef ds:uri="http://schemas.openxmlformats.org/package/2006/metadata/core-properties"/>
+    <ds:schemaRef ds:uri="16c05727-aa75-4e4a-9b5f-8a80a1165891"/>
+    <ds:schemaRef ds:uri="http://schemas.microsoft.com/sharepoint/v3"/>
+    <ds:schemaRef ds:uri="http://schemas.microsoft.com/office/2006/metadata/properties"/>
+    <ds:schemaRef ds:uri="http://purl.org/dc/terms/"/>
+  </ds:schemaRefs>
+</ds:datastoreItem>
+</file>
+
 <file path=docMetadata/LabelInfo.xml><?xml version="1.0" encoding="utf-8"?>
 <clbl:labelList xmlns:clbl="http://schemas.microsoft.com/office/2020/mipLabelMetadata"/>
 </file>